--- a/powerpoint files/Session2.pptx
+++ b/powerpoint files/Session2.pptx
@@ -197,6 +197,30 @@
             <pc:docMk/>
             <pc:sldMk cId="0" sldId="263"/>
             <ac:spMk id="198" creationId="{00000000-0000-0000-0000-000000000000}"/>
+          </ac:spMkLst>
+        </pc:spChg>
+      </pc:sldChg>
+    </pc:docChg>
+  </pc:docChgLst>
+  <pc:docChgLst>
+    <pc:chgData name="Srinivasa Rao" userId="a6b54366-f13d-4292-8bb4-f06c50909b1e" providerId="ADAL" clId="{4A184BB2-65C9-2A4D-8FB7-88CF0A21D992}"/>
+    <pc:docChg chg="modSld">
+      <pc:chgData name="Srinivasa Rao" userId="a6b54366-f13d-4292-8bb4-f06c50909b1e" providerId="ADAL" clId="{4A184BB2-65C9-2A4D-8FB7-88CF0A21D992}" dt="2024-02-20T08:13:57.547" v="0"/>
+      <pc:docMkLst>
+        <pc:docMk/>
+      </pc:docMkLst>
+      <pc:sldChg chg="modSp mod">
+        <pc:chgData name="Srinivasa Rao" userId="a6b54366-f13d-4292-8bb4-f06c50909b1e" providerId="ADAL" clId="{4A184BB2-65C9-2A4D-8FB7-88CF0A21D992}" dt="2024-02-20T08:13:57.547" v="0"/>
+        <pc:sldMkLst>
+          <pc:docMk/>
+          <pc:sldMk cId="0" sldId="256"/>
+        </pc:sldMkLst>
+        <pc:spChg chg="mod">
+          <ac:chgData name="Srinivasa Rao" userId="a6b54366-f13d-4292-8bb4-f06c50909b1e" providerId="ADAL" clId="{4A184BB2-65C9-2A4D-8FB7-88CF0A21D992}" dt="2024-02-20T08:13:57.547" v="0"/>
+          <ac:spMkLst>
+            <pc:docMk/>
+            <pc:sldMk cId="0" sldId="256"/>
+            <ac:spMk id="153" creationId="{00000000-0000-0000-0000-000000000000}"/>
           </ac:spMkLst>
         </pc:spChg>
       </pc:sldChg>
@@ -8636,24 +8660,24 @@
               </a:tabLst>
             </a:pPr>
             <a:r>
-              <a:rPr lang="en-US" sz="3200" spc="-1" dirty="0" err="1">
+              <a:rPr lang="en-US" sz="3200" spc="-1">
                 <a:solidFill>
                   <a:srgbClr val="8B8B8B"/>
                 </a:solidFill>
                 <a:latin typeface="Calibri"/>
                 <a:ea typeface="DejaVu Sans"/>
               </a:rPr>
-              <a:t>Michaelmas</a:t>
-            </a:r>
-            <a:r>
-              <a:rPr lang="en-US" sz="3200" b="0" strike="noStrike" spc="-1" dirty="0">
+              <a:t>Hilary</a:t>
+            </a:r>
+            <a:r>
+              <a:rPr lang="en-US" sz="3200" b="0" strike="noStrike" spc="-1">
                 <a:solidFill>
                   <a:srgbClr val="8B8B8B"/>
                 </a:solidFill>
                 <a:latin typeface="Calibri"/>
                 <a:ea typeface="DejaVu Sans"/>
               </a:rPr>
-              <a:t> 2023</a:t>
+              <a:t> 2024</a:t>
             </a:r>
             <a:endParaRPr lang="en-GB" sz="3200" b="0" strike="noStrike" spc="-1" dirty="0">
               <a:latin typeface="Arial"/>
